--- a/workshop_slides.pptx
+++ b/workshop_slides.pptx
@@ -123,7 +123,7 @@
 <file path=ppt/revisionInfo.xml><?xml version="1.0" encoding="utf-8"?>
 <p1510:revInfo xmlns:a="http://schemas.openxmlformats.org/drawingml/2006/main" xmlns:r="http://schemas.openxmlformats.org/officeDocument/2006/relationships" xmlns:p1510="http://schemas.microsoft.com/office/powerpoint/2015/10/main">
   <p1510:revLst>
-    <p1510:client id="{0C4820F6-F5F8-46F9-9B8F-B4C88DC82382}" v="97" dt="2022-04-03T13:32:54.865"/>
+    <p1510:client id="{0C4820F6-F5F8-46F9-9B8F-B4C88DC82382}" v="98" dt="2022-04-06T16:04:03.191"/>
   </p1510:revLst>
 </p1510:revInfo>
 </file>
@@ -133,7 +133,7 @@
   <pc:docChgLst>
     <pc:chgData name="Emily Nordmann" userId="3a8607a0-6fda-4b79-931e-b4451d622a33" providerId="ADAL" clId="{0C4820F6-F5F8-46F9-9B8F-B4C88DC82382}"/>
     <pc:docChg chg="undo custSel addSld delSld modSld">
-      <pc:chgData name="Emily Nordmann" userId="3a8607a0-6fda-4b79-931e-b4451d622a33" providerId="ADAL" clId="{0C4820F6-F5F8-46F9-9B8F-B4C88DC82382}" dt="2022-04-03T13:34:11.720" v="1779" actId="1076"/>
+      <pc:chgData name="Emily Nordmann" userId="3a8607a0-6fda-4b79-931e-b4451d622a33" providerId="ADAL" clId="{0C4820F6-F5F8-46F9-9B8F-B4C88DC82382}" dt="2022-04-06T16:04:36.142" v="1795" actId="20577"/>
       <pc:docMkLst>
         <pc:docMk/>
       </pc:docMkLst>
@@ -208,7 +208,7 @@
         </pc:sldMkLst>
       </pc:sldChg>
       <pc:sldChg chg="addSp delSp modSp new mod modClrScheme chgLayout">
-        <pc:chgData name="Emily Nordmann" userId="3a8607a0-6fda-4b79-931e-b4451d622a33" providerId="ADAL" clId="{0C4820F6-F5F8-46F9-9B8F-B4C88DC82382}" dt="2022-04-03T13:23:26.006" v="1611" actId="14"/>
+        <pc:chgData name="Emily Nordmann" userId="3a8607a0-6fda-4b79-931e-b4451d622a33" providerId="ADAL" clId="{0C4820F6-F5F8-46F9-9B8F-B4C88DC82382}" dt="2022-04-06T16:04:36.142" v="1795" actId="20577"/>
         <pc:sldMkLst>
           <pc:docMk/>
           <pc:sldMk cId="2402649884" sldId="257"/>
@@ -222,7 +222,7 @@
           </ac:spMkLst>
         </pc:spChg>
         <pc:spChg chg="mod ord">
-          <ac:chgData name="Emily Nordmann" userId="3a8607a0-6fda-4b79-931e-b4451d622a33" providerId="ADAL" clId="{0C4820F6-F5F8-46F9-9B8F-B4C88DC82382}" dt="2022-04-03T13:23:26.006" v="1611" actId="14"/>
+          <ac:chgData name="Emily Nordmann" userId="3a8607a0-6fda-4b79-931e-b4451d622a33" providerId="ADAL" clId="{0C4820F6-F5F8-46F9-9B8F-B4C88DC82382}" dt="2022-04-06T16:04:33.412" v="1788" actId="20577"/>
           <ac:spMkLst>
             <pc:docMk/>
             <pc:sldMk cId="2402649884" sldId="257"/>
@@ -230,7 +230,7 @@
           </ac:spMkLst>
         </pc:spChg>
         <pc:spChg chg="add mod ord">
-          <ac:chgData name="Emily Nordmann" userId="3a8607a0-6fda-4b79-931e-b4451d622a33" providerId="ADAL" clId="{0C4820F6-F5F8-46F9-9B8F-B4C88DC82382}" dt="2022-04-03T13:23:19.685" v="1607" actId="20577"/>
+          <ac:chgData name="Emily Nordmann" userId="3a8607a0-6fda-4b79-931e-b4451d622a33" providerId="ADAL" clId="{0C4820F6-F5F8-46F9-9B8F-B4C88DC82382}" dt="2022-04-06T16:04:36.142" v="1795" actId="20577"/>
           <ac:spMkLst>
             <pc:docMk/>
             <pc:sldMk cId="2402649884" sldId="257"/>
@@ -568,7 +568,7 @@
           <a:p>
             <a:fld id="{5583D6F8-221B-40BF-9348-E39AC7D9C4E9}" type="datetimeFigureOut">
               <a:rPr lang="en-GB" smtClean="0"/>
-              <a:t>03/04/2022</a:t>
+              <a:t>06/04/2022</a:t>
             </a:fld>
             <a:endParaRPr lang="en-GB"/>
           </a:p>
@@ -1153,7 +1153,7 @@
           <a:p>
             <a:fld id="{2719F2C1-8ABD-4580-82C3-8E4BEE7F7D62}" type="datetimeFigureOut">
               <a:rPr lang="en-GB" smtClean="0"/>
-              <a:t>03/04/2022</a:t>
+              <a:t>06/04/2022</a:t>
             </a:fld>
             <a:endParaRPr lang="en-GB"/>
           </a:p>
@@ -1353,7 +1353,7 @@
           <a:p>
             <a:fld id="{2719F2C1-8ABD-4580-82C3-8E4BEE7F7D62}" type="datetimeFigureOut">
               <a:rPr lang="en-GB" smtClean="0"/>
-              <a:t>03/04/2022</a:t>
+              <a:t>06/04/2022</a:t>
             </a:fld>
             <a:endParaRPr lang="en-GB"/>
           </a:p>
@@ -1563,7 +1563,7 @@
           <a:p>
             <a:fld id="{2719F2C1-8ABD-4580-82C3-8E4BEE7F7D62}" type="datetimeFigureOut">
               <a:rPr lang="en-GB" smtClean="0"/>
-              <a:t>03/04/2022</a:t>
+              <a:t>06/04/2022</a:t>
             </a:fld>
             <a:endParaRPr lang="en-GB"/>
           </a:p>
@@ -1763,7 +1763,7 @@
           <a:p>
             <a:fld id="{2719F2C1-8ABD-4580-82C3-8E4BEE7F7D62}" type="datetimeFigureOut">
               <a:rPr lang="en-GB" smtClean="0"/>
-              <a:t>03/04/2022</a:t>
+              <a:t>06/04/2022</a:t>
             </a:fld>
             <a:endParaRPr lang="en-GB"/>
           </a:p>
@@ -2039,7 +2039,7 @@
           <a:p>
             <a:fld id="{2719F2C1-8ABD-4580-82C3-8E4BEE7F7D62}" type="datetimeFigureOut">
               <a:rPr lang="en-GB" smtClean="0"/>
-              <a:t>03/04/2022</a:t>
+              <a:t>06/04/2022</a:t>
             </a:fld>
             <a:endParaRPr lang="en-GB"/>
           </a:p>
@@ -2307,7 +2307,7 @@
           <a:p>
             <a:fld id="{2719F2C1-8ABD-4580-82C3-8E4BEE7F7D62}" type="datetimeFigureOut">
               <a:rPr lang="en-GB" smtClean="0"/>
-              <a:t>03/04/2022</a:t>
+              <a:t>06/04/2022</a:t>
             </a:fld>
             <a:endParaRPr lang="en-GB"/>
           </a:p>
@@ -2722,7 +2722,7 @@
           <a:p>
             <a:fld id="{2719F2C1-8ABD-4580-82C3-8E4BEE7F7D62}" type="datetimeFigureOut">
               <a:rPr lang="en-GB" smtClean="0"/>
-              <a:t>03/04/2022</a:t>
+              <a:t>06/04/2022</a:t>
             </a:fld>
             <a:endParaRPr lang="en-GB"/>
           </a:p>
@@ -2864,7 +2864,7 @@
           <a:p>
             <a:fld id="{2719F2C1-8ABD-4580-82C3-8E4BEE7F7D62}" type="datetimeFigureOut">
               <a:rPr lang="en-GB" smtClean="0"/>
-              <a:t>03/04/2022</a:t>
+              <a:t>06/04/2022</a:t>
             </a:fld>
             <a:endParaRPr lang="en-GB"/>
           </a:p>
@@ -2977,7 +2977,7 @@
           <a:p>
             <a:fld id="{2719F2C1-8ABD-4580-82C3-8E4BEE7F7D62}" type="datetimeFigureOut">
               <a:rPr lang="en-GB" smtClean="0"/>
-              <a:t>03/04/2022</a:t>
+              <a:t>06/04/2022</a:t>
             </a:fld>
             <a:endParaRPr lang="en-GB"/>
           </a:p>
@@ -3290,7 +3290,7 @@
           <a:p>
             <a:fld id="{2719F2C1-8ABD-4580-82C3-8E4BEE7F7D62}" type="datetimeFigureOut">
               <a:rPr lang="en-GB" smtClean="0"/>
-              <a:t>03/04/2022</a:t>
+              <a:t>06/04/2022</a:t>
             </a:fld>
             <a:endParaRPr lang="en-GB"/>
           </a:p>
@@ -3579,7 +3579,7 @@
           <a:p>
             <a:fld id="{2719F2C1-8ABD-4580-82C3-8E4BEE7F7D62}" type="datetimeFigureOut">
               <a:rPr lang="en-GB" smtClean="0"/>
-              <a:t>03/04/2022</a:t>
+              <a:t>06/04/2022</a:t>
             </a:fld>
             <a:endParaRPr lang="en-GB"/>
           </a:p>
@@ -3822,7 +3822,7 @@
           <a:p>
             <a:fld id="{2719F2C1-8ABD-4580-82C3-8E4BEE7F7D62}" type="datetimeFigureOut">
               <a:rPr lang="en-GB" smtClean="0"/>
-              <a:t>03/04/2022</a:t>
+              <a:t>06/04/2022</a:t>
             </a:fld>
             <a:endParaRPr lang="en-GB"/>
           </a:p>
@@ -4709,12 +4709,8 @@
           </a:lstStyle>
           <a:p>
             <a:r>
-              <a:rPr lang="en-GB" dirty="0" err="1"/>
-              <a:t>Dr.</a:t>
-            </a:r>
-            <a:r>
               <a:rPr lang="en-GB" dirty="0"/>
-              <a:t> Wilhelmiina Toivo</a:t>
+              <a:t>Dr. Wilhelmiina Toivo</a:t>
             </a:r>
           </a:p>
           <a:p>
@@ -4815,7 +4811,7 @@
           <a:p>
             <a:r>
               <a:rPr lang="en-GB" dirty="0"/>
-              <a:t>Day 1</a:t>
+              <a:t>Session 1</a:t>
             </a:r>
           </a:p>
           <a:p>
@@ -4842,10 +4838,9 @@
           <a:p>
             <a:pPr lvl="2"/>
             <a:r>
-              <a:rPr lang="en-GB" dirty="0" err="1"/>
-              <a:t>Scattterplots</a:t>
-            </a:r>
-            <a:endParaRPr lang="en-GB" dirty="0"/>
+              <a:rPr lang="en-GB" dirty="0"/>
+              <a:t>Scatter plots</a:t>
+            </a:r>
           </a:p>
           <a:p>
             <a:pPr lvl="2"/>
@@ -4917,7 +4912,7 @@
           <a:p>
             <a:r>
               <a:rPr lang="en-GB" dirty="0"/>
-              <a:t>Day 2</a:t>
+              <a:t>Session 2</a:t>
             </a:r>
           </a:p>
           <a:p>
